--- a/Presentation/Präsentation1.pptx
+++ b/Presentation/Präsentation1.pptx
@@ -266,7 +266,7 @@
           <a:p>
             <a:fld id="{27376066-4186-4862-AB50-A88607003B24}" type="datetimeFigureOut">
               <a:rPr lang="de-IT" smtClean="0"/>
-              <a:t>19.03.2022</a:t>
+              <a:t>03/19/2022</a:t>
             </a:fld>
             <a:endParaRPr lang="de-IT"/>
           </a:p>
@@ -466,7 +466,7 @@
           <a:p>
             <a:fld id="{27376066-4186-4862-AB50-A88607003B24}" type="datetimeFigureOut">
               <a:rPr lang="de-IT" smtClean="0"/>
-              <a:t>19.03.2022</a:t>
+              <a:t>03/19/2022</a:t>
             </a:fld>
             <a:endParaRPr lang="de-IT"/>
           </a:p>
@@ -676,7 +676,7 @@
           <a:p>
             <a:fld id="{27376066-4186-4862-AB50-A88607003B24}" type="datetimeFigureOut">
               <a:rPr lang="de-IT" smtClean="0"/>
-              <a:t>19.03.2022</a:t>
+              <a:t>03/19/2022</a:t>
             </a:fld>
             <a:endParaRPr lang="de-IT"/>
           </a:p>
@@ -876,7 +876,7 @@
           <a:p>
             <a:fld id="{27376066-4186-4862-AB50-A88607003B24}" type="datetimeFigureOut">
               <a:rPr lang="de-IT" smtClean="0"/>
-              <a:t>19.03.2022</a:t>
+              <a:t>03/19/2022</a:t>
             </a:fld>
             <a:endParaRPr lang="de-IT"/>
           </a:p>
@@ -1152,7 +1152,7 @@
           <a:p>
             <a:fld id="{27376066-4186-4862-AB50-A88607003B24}" type="datetimeFigureOut">
               <a:rPr lang="de-IT" smtClean="0"/>
-              <a:t>19.03.2022</a:t>
+              <a:t>03/19/2022</a:t>
             </a:fld>
             <a:endParaRPr lang="de-IT"/>
           </a:p>
@@ -1420,7 +1420,7 @@
           <a:p>
             <a:fld id="{27376066-4186-4862-AB50-A88607003B24}" type="datetimeFigureOut">
               <a:rPr lang="de-IT" smtClean="0"/>
-              <a:t>19.03.2022</a:t>
+              <a:t>03/19/2022</a:t>
             </a:fld>
             <a:endParaRPr lang="de-IT"/>
           </a:p>
@@ -1835,7 +1835,7 @@
           <a:p>
             <a:fld id="{27376066-4186-4862-AB50-A88607003B24}" type="datetimeFigureOut">
               <a:rPr lang="de-IT" smtClean="0"/>
-              <a:t>19.03.2022</a:t>
+              <a:t>03/19/2022</a:t>
             </a:fld>
             <a:endParaRPr lang="de-IT"/>
           </a:p>
@@ -1977,7 +1977,7 @@
           <a:p>
             <a:fld id="{27376066-4186-4862-AB50-A88607003B24}" type="datetimeFigureOut">
               <a:rPr lang="de-IT" smtClean="0"/>
-              <a:t>19.03.2022</a:t>
+              <a:t>03/19/2022</a:t>
             </a:fld>
             <a:endParaRPr lang="de-IT"/>
           </a:p>
@@ -2090,7 +2090,7 @@
           <a:p>
             <a:fld id="{27376066-4186-4862-AB50-A88607003B24}" type="datetimeFigureOut">
               <a:rPr lang="de-IT" smtClean="0"/>
-              <a:t>19.03.2022</a:t>
+              <a:t>03/19/2022</a:t>
             </a:fld>
             <a:endParaRPr lang="de-IT"/>
           </a:p>
@@ -2403,7 +2403,7 @@
           <a:p>
             <a:fld id="{27376066-4186-4862-AB50-A88607003B24}" type="datetimeFigureOut">
               <a:rPr lang="de-IT" smtClean="0"/>
-              <a:t>19.03.2022</a:t>
+              <a:t>03/19/2022</a:t>
             </a:fld>
             <a:endParaRPr lang="de-IT"/>
           </a:p>
@@ -2692,7 +2692,7 @@
           <a:p>
             <a:fld id="{27376066-4186-4862-AB50-A88607003B24}" type="datetimeFigureOut">
               <a:rPr lang="de-IT" smtClean="0"/>
-              <a:t>19.03.2022</a:t>
+              <a:t>03/19/2022</a:t>
             </a:fld>
             <a:endParaRPr lang="de-IT"/>
           </a:p>
@@ -2935,7 +2935,7 @@
           <a:p>
             <a:fld id="{27376066-4186-4862-AB50-A88607003B24}" type="datetimeFigureOut">
               <a:rPr lang="de-IT" smtClean="0"/>
-              <a:t>19.03.2022</a:t>
+              <a:t>03/19/2022</a:t>
             </a:fld>
             <a:endParaRPr lang="de-IT"/>
           </a:p>
@@ -4629,8 +4629,8 @@
         </p:nvSpPr>
         <p:spPr>
           <a:xfrm>
-            <a:off x="1145220" y="5422045"/>
-            <a:ext cx="4138954" cy="646331"/>
+            <a:off x="1014061" y="5405136"/>
+            <a:ext cx="4187114" cy="1015663"/>
           </a:xfrm>
           <a:prstGeom prst="rect">
             <a:avLst/>
@@ -4638,79 +4638,79 @@
           <a:noFill/>
         </p:spPr>
         <p:txBody>
-          <a:bodyPr wrap="none" rtlCol="0">
+          <a:bodyPr wrap="square" rtlCol="0">
             <a:spAutoFit/>
           </a:bodyPr>
           <a:lstStyle/>
           <a:p>
             <a:r>
-              <a:rPr lang="de-DE" dirty="0" err="1"/>
+              <a:rPr lang="de-DE" sz="2000" dirty="0" err="1"/>
               <a:t>Curve</a:t>
             </a:r>
             <a:r>
-              <a:rPr lang="de-DE" dirty="0"/>
+              <a:rPr lang="de-DE" sz="2000" dirty="0"/>
               <a:t> </a:t>
             </a:r>
             <a:r>
-              <a:rPr lang="de-DE" dirty="0" err="1"/>
+              <a:rPr lang="de-DE" sz="2000" dirty="0" err="1"/>
               <a:t>consisting</a:t>
             </a:r>
             <a:r>
-              <a:rPr lang="de-DE" dirty="0"/>
+              <a:rPr lang="de-DE" sz="2000" dirty="0"/>
               <a:t> </a:t>
             </a:r>
             <a:r>
-              <a:rPr lang="de-DE" dirty="0" err="1"/>
+              <a:rPr lang="de-DE" sz="2000" dirty="0" err="1"/>
               <a:t>of</a:t>
             </a:r>
             <a:r>
-              <a:rPr lang="de-DE" dirty="0"/>
+              <a:rPr lang="de-DE" sz="2000" dirty="0"/>
               <a:t> </a:t>
             </a:r>
             <a:r>
-              <a:rPr lang="de-DE" dirty="0" err="1"/>
+              <a:rPr lang="de-DE" sz="2000" dirty="0" err="1"/>
               <a:t>line</a:t>
             </a:r>
             <a:r>
-              <a:rPr lang="de-DE" dirty="0"/>
+              <a:rPr lang="de-DE" sz="2000" dirty="0"/>
               <a:t> </a:t>
             </a:r>
             <a:r>
-              <a:rPr lang="de-DE" dirty="0" err="1"/>
+              <a:rPr lang="de-DE" sz="2000" dirty="0" err="1"/>
               <a:t>segments→similar</a:t>
             </a:r>
-            <a:endParaRPr lang="de-DE" dirty="0"/>
-          </a:p>
-          <a:p>
-            <a:r>
-              <a:rPr lang="de-DE" dirty="0" err="1"/>
+            <a:endParaRPr lang="de-DE" sz="2000" dirty="0"/>
+          </a:p>
+          <a:p>
+            <a:r>
+              <a:rPr lang="de-DE" sz="2000" dirty="0" err="1"/>
               <a:t>curve</a:t>
             </a:r>
             <a:r>
-              <a:rPr lang="de-DE" dirty="0"/>
+              <a:rPr lang="de-DE" sz="2000" dirty="0"/>
               <a:t> </a:t>
             </a:r>
             <a:r>
-              <a:rPr lang="de-DE" dirty="0" err="1"/>
+              <a:rPr lang="de-DE" sz="2000" dirty="0" err="1"/>
               <a:t>with</a:t>
             </a:r>
             <a:r>
-              <a:rPr lang="de-DE" dirty="0"/>
+              <a:rPr lang="de-DE" sz="2000" dirty="0"/>
               <a:t> </a:t>
             </a:r>
             <a:r>
-              <a:rPr lang="de-DE" dirty="0" err="1"/>
+              <a:rPr lang="de-DE" sz="2000" dirty="0" err="1"/>
               <a:t>fewer</a:t>
             </a:r>
             <a:r>
-              <a:rPr lang="de-DE" dirty="0"/>
+              <a:rPr lang="de-DE" sz="2000" dirty="0"/>
               <a:t> </a:t>
             </a:r>
             <a:r>
-              <a:rPr lang="de-DE" dirty="0" err="1"/>
+              <a:rPr lang="de-DE" sz="2000" dirty="0" err="1"/>
               <a:t>points</a:t>
             </a:r>
-            <a:endParaRPr lang="de-IT" dirty="0"/>
+            <a:endParaRPr lang="de-IT" sz="2000" dirty="0"/>
           </a:p>
         </p:txBody>
       </p:sp>

--- a/Presentation/Präsentation1.pptx
+++ b/Presentation/Präsentation1.pptx
@@ -11,6 +11,7 @@
     <p:sldId id="260" r:id="rId5"/>
     <p:sldId id="261" r:id="rId6"/>
     <p:sldId id="262" r:id="rId7"/>
+    <p:sldId id="263" r:id="rId8"/>
   </p:sldIdLst>
   <p:sldSz cx="12192000" cy="6858000"/>
   <p:notesSz cx="6858000" cy="9144000"/>
@@ -266,7 +267,7 @@
           <a:p>
             <a:fld id="{27376066-4186-4862-AB50-A88607003B24}" type="datetimeFigureOut">
               <a:rPr lang="de-IT" smtClean="0"/>
-              <a:t>03/19/2022</a:t>
+              <a:t>20.05.2022</a:t>
             </a:fld>
             <a:endParaRPr lang="de-IT"/>
           </a:p>
@@ -466,7 +467,7 @@
           <a:p>
             <a:fld id="{27376066-4186-4862-AB50-A88607003B24}" type="datetimeFigureOut">
               <a:rPr lang="de-IT" smtClean="0"/>
-              <a:t>03/19/2022</a:t>
+              <a:t>20.05.2022</a:t>
             </a:fld>
             <a:endParaRPr lang="de-IT"/>
           </a:p>
@@ -676,7 +677,7 @@
           <a:p>
             <a:fld id="{27376066-4186-4862-AB50-A88607003B24}" type="datetimeFigureOut">
               <a:rPr lang="de-IT" smtClean="0"/>
-              <a:t>03/19/2022</a:t>
+              <a:t>20.05.2022</a:t>
             </a:fld>
             <a:endParaRPr lang="de-IT"/>
           </a:p>
@@ -876,7 +877,7 @@
           <a:p>
             <a:fld id="{27376066-4186-4862-AB50-A88607003B24}" type="datetimeFigureOut">
               <a:rPr lang="de-IT" smtClean="0"/>
-              <a:t>03/19/2022</a:t>
+              <a:t>20.05.2022</a:t>
             </a:fld>
             <a:endParaRPr lang="de-IT"/>
           </a:p>
@@ -1152,7 +1153,7 @@
           <a:p>
             <a:fld id="{27376066-4186-4862-AB50-A88607003B24}" type="datetimeFigureOut">
               <a:rPr lang="de-IT" smtClean="0"/>
-              <a:t>03/19/2022</a:t>
+              <a:t>20.05.2022</a:t>
             </a:fld>
             <a:endParaRPr lang="de-IT"/>
           </a:p>
@@ -1420,7 +1421,7 @@
           <a:p>
             <a:fld id="{27376066-4186-4862-AB50-A88607003B24}" type="datetimeFigureOut">
               <a:rPr lang="de-IT" smtClean="0"/>
-              <a:t>03/19/2022</a:t>
+              <a:t>20.05.2022</a:t>
             </a:fld>
             <a:endParaRPr lang="de-IT"/>
           </a:p>
@@ -1835,7 +1836,7 @@
           <a:p>
             <a:fld id="{27376066-4186-4862-AB50-A88607003B24}" type="datetimeFigureOut">
               <a:rPr lang="de-IT" smtClean="0"/>
-              <a:t>03/19/2022</a:t>
+              <a:t>20.05.2022</a:t>
             </a:fld>
             <a:endParaRPr lang="de-IT"/>
           </a:p>
@@ -1977,7 +1978,7 @@
           <a:p>
             <a:fld id="{27376066-4186-4862-AB50-A88607003B24}" type="datetimeFigureOut">
               <a:rPr lang="de-IT" smtClean="0"/>
-              <a:t>03/19/2022</a:t>
+              <a:t>20.05.2022</a:t>
             </a:fld>
             <a:endParaRPr lang="de-IT"/>
           </a:p>
@@ -2090,7 +2091,7 @@
           <a:p>
             <a:fld id="{27376066-4186-4862-AB50-A88607003B24}" type="datetimeFigureOut">
               <a:rPr lang="de-IT" smtClean="0"/>
-              <a:t>03/19/2022</a:t>
+              <a:t>20.05.2022</a:t>
             </a:fld>
             <a:endParaRPr lang="de-IT"/>
           </a:p>
@@ -2403,7 +2404,7 @@
           <a:p>
             <a:fld id="{27376066-4186-4862-AB50-A88607003B24}" type="datetimeFigureOut">
               <a:rPr lang="de-IT" smtClean="0"/>
-              <a:t>03/19/2022</a:t>
+              <a:t>20.05.2022</a:t>
             </a:fld>
             <a:endParaRPr lang="de-IT"/>
           </a:p>
@@ -2692,7 +2693,7 @@
           <a:p>
             <a:fld id="{27376066-4186-4862-AB50-A88607003B24}" type="datetimeFigureOut">
               <a:rPr lang="de-IT" smtClean="0"/>
-              <a:t>03/19/2022</a:t>
+              <a:t>20.05.2022</a:t>
             </a:fld>
             <a:endParaRPr lang="de-IT"/>
           </a:p>
@@ -2935,7 +2936,7 @@
           <a:p>
             <a:fld id="{27376066-4186-4862-AB50-A88607003B24}" type="datetimeFigureOut">
               <a:rPr lang="de-IT" smtClean="0"/>
-              <a:t>03/19/2022</a:t>
+              <a:t>20.05.2022</a:t>
             </a:fld>
             <a:endParaRPr lang="de-IT"/>
           </a:p>
@@ -5417,6 +5418,86 @@
 </p:sld>
 </file>
 
+<file path=ppt/slides/slide7.xml><?xml version="1.0" encoding="utf-8"?>
+<p:sld xmlns:a="http://schemas.openxmlformats.org/drawingml/2006/main" xmlns:r="http://schemas.openxmlformats.org/officeDocument/2006/relationships" xmlns:p="http://schemas.openxmlformats.org/presentationml/2006/main">
+  <p:cSld>
+    <p:spTree>
+      <p:nvGrpSpPr>
+        <p:cNvPr id="1" name=""/>
+        <p:cNvGrpSpPr/>
+        <p:nvPr/>
+      </p:nvGrpSpPr>
+      <p:grpSpPr>
+        <a:xfrm>
+          <a:off x="0" y="0"/>
+          <a:ext cx="0" cy="0"/>
+          <a:chOff x="0" y="0"/>
+          <a:chExt cx="0" cy="0"/>
+        </a:xfrm>
+      </p:grpSpPr>
+      <p:sp>
+        <p:nvSpPr>
+          <p:cNvPr id="2" name="Titel 1">
+            <a:extLst>
+              <a:ext uri="{FF2B5EF4-FFF2-40B4-BE49-F238E27FC236}">
+                <a16:creationId xmlns:a16="http://schemas.microsoft.com/office/drawing/2014/main" id="{69D9EB02-F02A-34CC-1F70-8129B19E152D}"/>
+              </a:ext>
+            </a:extLst>
+          </p:cNvPr>
+          <p:cNvSpPr>
+            <a:spLocks noGrp="1"/>
+          </p:cNvSpPr>
+          <p:nvPr>
+            <p:ph type="title"/>
+          </p:nvPr>
+        </p:nvSpPr>
+        <p:spPr/>
+        <p:txBody>
+          <a:bodyPr/>
+          <a:lstStyle/>
+          <a:p>
+            <a:endParaRPr lang="de-IT"/>
+          </a:p>
+        </p:txBody>
+      </p:sp>
+      <p:sp>
+        <p:nvSpPr>
+          <p:cNvPr id="3" name="Inhaltsplatzhalter 2">
+            <a:extLst>
+              <a:ext uri="{FF2B5EF4-FFF2-40B4-BE49-F238E27FC236}">
+                <a16:creationId xmlns:a16="http://schemas.microsoft.com/office/drawing/2014/main" id="{34D91EBA-7A78-074C-EF5E-B55CCAEEFC92}"/>
+              </a:ext>
+            </a:extLst>
+          </p:cNvPr>
+          <p:cNvSpPr>
+            <a:spLocks noGrp="1"/>
+          </p:cNvSpPr>
+          <p:nvPr>
+            <p:ph idx="1"/>
+          </p:nvPr>
+        </p:nvSpPr>
+        <p:spPr/>
+        <p:txBody>
+          <a:bodyPr/>
+          <a:lstStyle/>
+          <a:p>
+            <a:endParaRPr lang="de-IT"/>
+          </a:p>
+        </p:txBody>
+      </p:sp>
+    </p:spTree>
+    <p:extLst>
+      <p:ext uri="{BB962C8B-B14F-4D97-AF65-F5344CB8AC3E}">
+        <p14:creationId xmlns:p14="http://schemas.microsoft.com/office/powerpoint/2010/main" val="1571325042"/>
+      </p:ext>
+    </p:extLst>
+  </p:cSld>
+  <p:clrMapOvr>
+    <a:masterClrMapping/>
+  </p:clrMapOvr>
+</p:sld>
+</file>
+
 <file path=ppt/theme/theme1.xml><?xml version="1.0" encoding="utf-8"?>
 <a:theme xmlns:a="http://schemas.openxmlformats.org/drawingml/2006/main" name="Office">
   <a:themeElements>
